--- a/Final Presentation By BinaryBots.pptx
+++ b/Final Presentation By BinaryBots.pptx
@@ -115,6 +115,11 @@
       </a:defRPr>
     </a:lvl9pPr>
   </p:defaultTextStyle>
+  <p:extLst>
+    <p:ext uri="{EFAFB233-063F-42B5-8137-9DF3F51BA10A}">
+      <p15:sldGuideLst xmlns:p15="http://schemas.microsoft.com/office/powerpoint/2012/main"/>
+    </p:ext>
+  </p:extLst>
 </p:presentation>
 </file>
 
@@ -249,7 +254,7 @@
           <a:p>
             <a:fld id="{42895C1A-43A5-497A-B647-12113718891E}" type="datetimeFigureOut">
               <a:rPr lang="en-IN" smtClean="0"/>
-              <a:t>02-05-2021</a:t>
+              <a:t>13-05-2021</a:t>
             </a:fld>
             <a:endParaRPr lang="en-IN"/>
           </a:p>
@@ -419,7 +424,7 @@
           <a:p>
             <a:fld id="{42895C1A-43A5-497A-B647-12113718891E}" type="datetimeFigureOut">
               <a:rPr lang="en-IN" smtClean="0"/>
-              <a:t>02-05-2021</a:t>
+              <a:t>13-05-2021</a:t>
             </a:fld>
             <a:endParaRPr lang="en-IN"/>
           </a:p>
@@ -599,7 +604,7 @@
           <a:p>
             <a:fld id="{42895C1A-43A5-497A-B647-12113718891E}" type="datetimeFigureOut">
               <a:rPr lang="en-IN" smtClean="0"/>
-              <a:t>02-05-2021</a:t>
+              <a:t>13-05-2021</a:t>
             </a:fld>
             <a:endParaRPr lang="en-IN"/>
           </a:p>
@@ -769,7 +774,7 @@
           <a:p>
             <a:fld id="{42895C1A-43A5-497A-B647-12113718891E}" type="datetimeFigureOut">
               <a:rPr lang="en-IN" smtClean="0"/>
-              <a:t>02-05-2021</a:t>
+              <a:t>13-05-2021</a:t>
             </a:fld>
             <a:endParaRPr lang="en-IN"/>
           </a:p>
@@ -1015,7 +1020,7 @@
           <a:p>
             <a:fld id="{42895C1A-43A5-497A-B647-12113718891E}" type="datetimeFigureOut">
               <a:rPr lang="en-IN" smtClean="0"/>
-              <a:t>02-05-2021</a:t>
+              <a:t>13-05-2021</a:t>
             </a:fld>
             <a:endParaRPr lang="en-IN"/>
           </a:p>
@@ -1247,7 +1252,7 @@
           <a:p>
             <a:fld id="{42895C1A-43A5-497A-B647-12113718891E}" type="datetimeFigureOut">
               <a:rPr lang="en-IN" smtClean="0"/>
-              <a:t>02-05-2021</a:t>
+              <a:t>13-05-2021</a:t>
             </a:fld>
             <a:endParaRPr lang="en-IN"/>
           </a:p>
@@ -1614,7 +1619,7 @@
           <a:p>
             <a:fld id="{42895C1A-43A5-497A-B647-12113718891E}" type="datetimeFigureOut">
               <a:rPr lang="en-IN" smtClean="0"/>
-              <a:t>02-05-2021</a:t>
+              <a:t>13-05-2021</a:t>
             </a:fld>
             <a:endParaRPr lang="en-IN"/>
           </a:p>
@@ -1732,7 +1737,7 @@
           <a:p>
             <a:fld id="{42895C1A-43A5-497A-B647-12113718891E}" type="datetimeFigureOut">
               <a:rPr lang="en-IN" smtClean="0"/>
-              <a:t>02-05-2021</a:t>
+              <a:t>13-05-2021</a:t>
             </a:fld>
             <a:endParaRPr lang="en-IN"/>
           </a:p>
@@ -1827,7 +1832,7 @@
           <a:p>
             <a:fld id="{42895C1A-43A5-497A-B647-12113718891E}" type="datetimeFigureOut">
               <a:rPr lang="en-IN" smtClean="0"/>
-              <a:t>02-05-2021</a:t>
+              <a:t>13-05-2021</a:t>
             </a:fld>
             <a:endParaRPr lang="en-IN"/>
           </a:p>
@@ -2104,7 +2109,7 @@
           <a:p>
             <a:fld id="{42895C1A-43A5-497A-B647-12113718891E}" type="datetimeFigureOut">
               <a:rPr lang="en-IN" smtClean="0"/>
-              <a:t>02-05-2021</a:t>
+              <a:t>13-05-2021</a:t>
             </a:fld>
             <a:endParaRPr lang="en-IN"/>
           </a:p>
@@ -2361,7 +2366,7 @@
           <a:p>
             <a:fld id="{42895C1A-43A5-497A-B647-12113718891E}" type="datetimeFigureOut">
               <a:rPr lang="en-IN" smtClean="0"/>
-              <a:t>02-05-2021</a:t>
+              <a:t>13-05-2021</a:t>
             </a:fld>
             <a:endParaRPr lang="en-IN"/>
           </a:p>
@@ -2574,7 +2579,7 @@
           <a:p>
             <a:fld id="{42895C1A-43A5-497A-B647-12113718891E}" type="datetimeFigureOut">
               <a:rPr lang="en-IN" smtClean="0"/>
-              <a:t>02-05-2021</a:t>
+              <a:t>13-05-2021</a:t>
             </a:fld>
             <a:endParaRPr lang="en-IN"/>
           </a:p>
@@ -3651,20 +3656,12 @@
               <a:buNone/>
             </a:pPr>
             <a:r>
-              <a:rPr lang="en-US" sz="2000" dirty="0" err="1">
-                <a:solidFill>
-                  <a:schemeClr val="bg1"/>
-                </a:solidFill>
-              </a:rPr>
-              <a:t>Himanshu</a:t>
-            </a:r>
-            <a:r>
               <a:rPr lang="en-US" sz="2000" dirty="0">
                 <a:solidFill>
                   <a:schemeClr val="bg1"/>
                 </a:solidFill>
               </a:rPr>
-              <a:t> Aggarwal - </a:t>
+              <a:t>Aryan Gupta - </a:t>
             </a:r>
             <a:r>
               <a:rPr lang="en-US" sz="2000" dirty="0" err="1">
@@ -3680,7 +3677,7 @@
                   <a:schemeClr val="bg1"/>
                 </a:solidFill>
               </a:rPr>
-              <a:t> University, HP (Team Lead)</a:t>
+              <a:t> University, HP </a:t>
             </a:r>
             <a:endParaRPr lang="en-IN" sz="2000" dirty="0">
               <a:solidFill>
@@ -3693,26 +3690,50 @@
               <a:buNone/>
             </a:pPr>
             <a:r>
+              <a:rPr lang="en-US" sz="1800" i="1" dirty="0"/>
+              <a:t>(</a:t>
+            </a:r>
+            <a:r>
               <a:rPr lang="en-US" sz="1800" i="1" dirty="0" smtClean="0"/>
-              <a:t>(</a:t>
+              <a:t>aryangupta.cse19@chitkarauniversity.edu.in</a:t>
             </a:r>
             <a:r>
               <a:rPr lang="en-US" sz="1800" i="1" dirty="0"/>
-              <a:t>himanshuaggarwal.cse19@chitkarauniversity.edu.in)</a:t>
-            </a:r>
-            <a:endParaRPr lang="en-IN" sz="1800" i="1" dirty="0"/>
+              <a:t>)</a:t>
+            </a:r>
+            <a:endParaRPr lang="en-US" sz="1800" dirty="0" smtClean="0">
+              <a:solidFill>
+                <a:schemeClr val="bg1"/>
+              </a:solidFill>
+            </a:endParaRPr>
           </a:p>
           <a:p>
             <a:pPr marL="0" indent="0" algn="ctr">
               <a:buNone/>
             </a:pPr>
+            <a:r>
+              <a:rPr lang="en-US" sz="2000" dirty="0" err="1" smtClean="0">
+                <a:solidFill>
+                  <a:schemeClr val="bg1"/>
+                </a:solidFill>
+              </a:rPr>
+              <a:t>Himanshu</a:t>
+            </a:r>
+            <a:r>
+              <a:rPr lang="en-US" sz="2000" dirty="0" smtClean="0">
+                <a:solidFill>
+                  <a:schemeClr val="bg1"/>
+                </a:solidFill>
+              </a:rPr>
+              <a:t> </a:t>
+            </a:r>
             <a:r>
               <a:rPr lang="en-US" sz="2000" dirty="0">
                 <a:solidFill>
                   <a:schemeClr val="bg1"/>
                 </a:solidFill>
               </a:rPr>
-              <a:t>Aryan Gupta - </a:t>
+              <a:t>Aggarwal - </a:t>
             </a:r>
             <a:r>
               <a:rPr lang="en-US" sz="2000" dirty="0" err="1">
@@ -3728,7 +3749,15 @@
                   <a:schemeClr val="bg1"/>
                 </a:solidFill>
               </a:rPr>
-              <a:t> University, HP </a:t>
+              <a:t> University, </a:t>
+            </a:r>
+            <a:r>
+              <a:rPr lang="en-US" sz="2000" dirty="0" smtClean="0">
+                <a:solidFill>
+                  <a:schemeClr val="bg1"/>
+                </a:solidFill>
+              </a:rPr>
+              <a:t>HP</a:t>
             </a:r>
             <a:endParaRPr lang="en-IN" sz="2000" dirty="0">
               <a:solidFill>
@@ -3746,7 +3775,7 @@
             </a:r>
             <a:r>
               <a:rPr lang="en-US" sz="1800" i="1" dirty="0"/>
-              <a:t>aryangupta.cse19@chitkarauniversity.edu.in)</a:t>
+              <a:t>himanshuaggarwal.cse19@chitkarauniversity.edu.in)</a:t>
             </a:r>
             <a:endParaRPr lang="en-IN" sz="1800" i="1" dirty="0"/>
           </a:p>
@@ -3754,13 +3783,29 @@
             <a:pPr marL="0" indent="0" algn="ctr">
               <a:buNone/>
             </a:pPr>
+            <a:r>
+              <a:rPr lang="en-US" sz="2000" dirty="0" err="1" smtClean="0">
+                <a:solidFill>
+                  <a:schemeClr val="bg1"/>
+                </a:solidFill>
+              </a:rPr>
+              <a:t>Rajat</a:t>
+            </a:r>
+            <a:r>
+              <a:rPr lang="en-US" sz="2000" dirty="0" smtClean="0">
+                <a:solidFill>
+                  <a:schemeClr val="bg1"/>
+                </a:solidFill>
+              </a:rPr>
+              <a:t> Kumar </a:t>
+            </a:r>
             <a:r>
               <a:rPr lang="en-US" sz="2000" dirty="0">
                 <a:solidFill>
                   <a:schemeClr val="bg1"/>
                 </a:solidFill>
               </a:rPr>
-              <a:t>Harsh Sandhu - </a:t>
+              <a:t>- </a:t>
             </a:r>
             <a:r>
               <a:rPr lang="en-US" sz="2000" dirty="0" err="1">
@@ -3790,11 +3835,11 @@
             </a:pPr>
             <a:r>
               <a:rPr lang="en-US" sz="1800" i="1" dirty="0" smtClean="0"/>
-              <a:t>(</a:t>
+              <a:t>(rajatkumar.cse19@chitkarauniversity.edu.in</a:t>
             </a:r>
             <a:r>
               <a:rPr lang="en-US" sz="1800" i="1" dirty="0"/>
-              <a:t>harshsandhu.cse19@chitkarauniversity.edu.in)</a:t>
+              <a:t>)</a:t>
             </a:r>
             <a:endParaRPr lang="en-IN" sz="1800" i="1" dirty="0"/>
           </a:p>
@@ -4790,7 +4835,7 @@
         <p:spPr>
           <a:xfrm>
             <a:off x="3987799" y="2353734"/>
-            <a:ext cx="7391400" cy="3139321"/>
+            <a:ext cx="7391400" cy="3693319"/>
           </a:xfrm>
           <a:prstGeom prst="rect">
             <a:avLst/>
@@ -4840,17 +4885,38 @@
               <a:t>Program which uses the </a:t>
             </a:r>
             <a:r>
-              <a:rPr lang="en-US" b="1" dirty="0" err="1" smtClean="0"/>
-              <a:t>PyTesseract</a:t>
-            </a:r>
-            <a:r>
-              <a:rPr lang="en-US" b="1" dirty="0"/>
-              <a:t> </a:t>
+              <a:rPr lang="en-US" b="1" dirty="0" smtClean="0"/>
+              <a:t>Tesseract.js library </a:t>
             </a:r>
             <a:r>
               <a:rPr lang="en-US" dirty="0" smtClean="0"/>
-              <a:t>tool.</a:t>
-            </a:r>
+              <a:t>(sample code provided by Benson </a:t>
+            </a:r>
+            <a:r>
+              <a:rPr lang="en-US" dirty="0" err="1" smtClean="0"/>
+              <a:t>Ruan</a:t>
+            </a:r>
+            <a:r>
+              <a:rPr lang="en-US" dirty="0" smtClean="0"/>
+              <a:t> @</a:t>
+            </a:r>
+            <a:r>
+              <a:rPr lang="en-US" dirty="0" smtClean="0"/>
+              <a:t>https</a:t>
+            </a:r>
+            <a:r>
+              <a:rPr lang="en-US" dirty="0"/>
+              <a:t>://</a:t>
+            </a:r>
+            <a:r>
+              <a:rPr lang="en-US" dirty="0" smtClean="0"/>
+              <a:t>github.com/bensonruan/Tesseract-OCR)</a:t>
+            </a:r>
+            <a:r>
+              <a:rPr lang="en-US" dirty="0" smtClean="0"/>
+              <a:t>.</a:t>
+            </a:r>
+            <a:endParaRPr lang="en-US" dirty="0" smtClean="0"/>
           </a:p>
           <a:p>
             <a:pPr marL="285750" indent="-285750">
